--- a/lectures/mehrdad/21_ethics-expanded.pptx
+++ b/lectures/mehrdad/21_ethics-expanded.pptx
@@ -7,7 +7,7 @@
     <p:sldMasterId id="2147484268" r:id="rId3"/>
   </p:sldMasterIdLst>
   <p:notesMasterIdLst>
-    <p:notesMasterId r:id="rId19"/>
+    <p:notesMasterId r:id="rId20"/>
   </p:notesMasterIdLst>
   <p:sldIdLst>
     <p:sldId id="331" r:id="rId4"/>
@@ -23,8 +23,9 @@
     <p:sldId id="801" r:id="rId14"/>
     <p:sldId id="802" r:id="rId15"/>
     <p:sldId id="803" r:id="rId16"/>
-    <p:sldId id="804" r:id="rId17"/>
-    <p:sldId id="805" r:id="rId18"/>
+    <p:sldId id="807" r:id="rId17"/>
+    <p:sldId id="806" r:id="rId18"/>
+    <p:sldId id="808" r:id="rId19"/>
   </p:sldIdLst>
   <p:sldSz cx="12192000" cy="6858000"/>
   <p:notesSz cx="6858000" cy="9144000"/>
@@ -1490,6 +1491,75 @@
 </p:notes>
 </file>
 
+<file path=ppt/notesSlides/notesSlide2.xml><?xml version="1.0" encoding="utf-8"?>
+<p:notes xmlns:a="http://schemas.openxmlformats.org/drawingml/2006/main" xmlns:r="http://schemas.openxmlformats.org/officeDocument/2006/relationships" xmlns:p="http://schemas.openxmlformats.org/presentationml/2006/main">
+  <p:cSld>
+    <p:spTree>
+      <p:nvGrpSpPr>
+        <p:cNvPr id="1" name=""/>
+        <p:cNvGrpSpPr/>
+        <p:nvPr/>
+      </p:nvGrpSpPr>
+      <p:grpSpPr>
+        <a:xfrm>
+          <a:off x="0" y="0"/>
+          <a:ext cx="0" cy="0"/>
+          <a:chOff x="0" y="0"/>
+          <a:chExt cx="0" cy="0"/>
+        </a:xfrm>
+      </p:grpSpPr>
+      <p:sp>
+        <p:nvSpPr>
+          <p:cNvPr id="2" name="Slide Image Placeholder 1"/>
+          <p:cNvSpPr>
+            <a:spLocks noGrp="1" noRot="1" noChangeAspect="1"/>
+          </p:cNvSpPr>
+          <p:nvPr>
+            <p:ph type="sldImg"/>
+          </p:nvPr>
+        </p:nvSpPr>
+        <p:spPr>
+          <a:xfrm>
+            <a:off x="381000" y="685800"/>
+            <a:ext cx="6096000" cy="3429000"/>
+          </a:xfrm>
+        </p:spPr>
+      </p:sp>
+      <p:sp>
+        <p:nvSpPr>
+          <p:cNvPr id="3" name="Notes Placeholder 2"/>
+          <p:cNvSpPr>
+            <a:spLocks noGrp="1"/>
+          </p:cNvSpPr>
+          <p:nvPr>
+            <p:ph type="body" idx="1"/>
+          </p:nvPr>
+        </p:nvSpPr>
+        <p:spPr/>
+        <p:txBody>
+          <a:bodyPr/>
+          <a:lstStyle/>
+          <a:p>
+            <a:r>
+              <a:rPr lang="en-US" dirty="0"/>
+              <a:t>Question: do you think algorithmic pricing is fair?</a:t>
+            </a:r>
+          </a:p>
+        </p:txBody>
+      </p:sp>
+    </p:spTree>
+    <p:extLst>
+      <p:ext uri="{BB962C8B-B14F-4D97-AF65-F5344CB8AC3E}">
+        <p14:creationId xmlns:p14="http://schemas.microsoft.com/office/powerpoint/2010/main" val="4159125673"/>
+      </p:ext>
+    </p:extLst>
+  </p:cSld>
+  <p:clrMapOvr>
+    <a:masterClrMapping/>
+  </p:clrMapOvr>
+</p:notes>
+</file>
+
 <file path=ppt/slideLayouts/slideLayout1.xml><?xml version="1.0" encoding="utf-8"?>
 <p:sldLayout xmlns:a="http://schemas.openxmlformats.org/drawingml/2006/main" xmlns:r="http://schemas.openxmlformats.org/officeDocument/2006/relationships" xmlns:p="http://schemas.openxmlformats.org/presentationml/2006/main" showMasterSp="0" type="title" preserve="1">
   <p:cSld name="Title Slide">
@@ -2246,7 +2316,7 @@
           <a:p>
             <a:fld id="{192525EC-8CCC-AB42-8BD1-1DA82123D46A}" type="datetimeFigureOut">
               <a:rPr lang="en-US" smtClean="0"/>
-              <a:t>11/29/22</a:t>
+              <a:t>4/11/2024</a:t>
             </a:fld>
             <a:endParaRPr lang="en-US"/>
           </a:p>
@@ -2477,7 +2547,7 @@
           <a:p>
             <a:fld id="{192525EC-8CCC-AB42-8BD1-1DA82123D46A}" type="datetimeFigureOut">
               <a:rPr lang="en-US" smtClean="0"/>
-              <a:t>11/29/22</a:t>
+              <a:t>4/11/2024</a:t>
             </a:fld>
             <a:endParaRPr lang="en-US"/>
           </a:p>
@@ -3511,7 +3581,7 @@
           <a:p>
             <a:fld id="{192525EC-8CCC-AB42-8BD1-1DA82123D46A}" type="datetimeFigureOut">
               <a:rPr lang="en-US" smtClean="0"/>
-              <a:t>11/29/22</a:t>
+              <a:t>4/11/2024</a:t>
             </a:fld>
             <a:endParaRPr lang="en-US"/>
           </a:p>
@@ -3783,7 +3853,7 @@
           <a:p>
             <a:fld id="{192525EC-8CCC-AB42-8BD1-1DA82123D46A}" type="datetimeFigureOut">
               <a:rPr lang="en-US" smtClean="0"/>
-              <a:t>11/29/22</a:t>
+              <a:t>4/11/2024</a:t>
             </a:fld>
             <a:endParaRPr lang="en-US"/>
           </a:p>
@@ -4193,7 +4263,7 @@
           <a:p>
             <a:fld id="{192525EC-8CCC-AB42-8BD1-1DA82123D46A}" type="datetimeFigureOut">
               <a:rPr lang="en-US" smtClean="0"/>
-              <a:t>11/29/22</a:t>
+              <a:t>4/11/2024</a:t>
             </a:fld>
             <a:endParaRPr lang="en-US"/>
           </a:p>
@@ -4320,7 +4390,7 @@
           <a:p>
             <a:fld id="{192525EC-8CCC-AB42-8BD1-1DA82123D46A}" type="datetimeFigureOut">
               <a:rPr lang="en-US" smtClean="0"/>
-              <a:t>11/29/22</a:t>
+              <a:t>4/11/2024</a:t>
             </a:fld>
             <a:endParaRPr lang="en-US"/>
           </a:p>
@@ -4415,7 +4485,7 @@
           <a:p>
             <a:fld id="{192525EC-8CCC-AB42-8BD1-1DA82123D46A}" type="datetimeFigureOut">
               <a:rPr lang="en-US" smtClean="0"/>
-              <a:t>11/29/22</a:t>
+              <a:t>4/11/2024</a:t>
             </a:fld>
             <a:endParaRPr lang="en-US"/>
           </a:p>
@@ -5496,7 +5566,7 @@
           <a:p>
             <a:fld id="{192525EC-8CCC-AB42-8BD1-1DA82123D46A}" type="datetimeFigureOut">
               <a:rPr lang="en-US" smtClean="0"/>
-              <a:t>11/29/22</a:t>
+              <a:t>4/11/2024</a:t>
             </a:fld>
             <a:endParaRPr lang="en-US"/>
           </a:p>
@@ -6716,7 +6786,7 @@
           <a:p>
             <a:fld id="{192525EC-8CCC-AB42-8BD1-1DA82123D46A}" type="datetimeFigureOut">
               <a:rPr lang="en-US" smtClean="0"/>
-              <a:t>11/29/22</a:t>
+              <a:t>4/11/2024</a:t>
             </a:fld>
             <a:endParaRPr lang="en-US"/>
           </a:p>
@@ -7784,7 +7854,7 @@
           <a:p>
             <a:fld id="{192525EC-8CCC-AB42-8BD1-1DA82123D46A}" type="datetimeFigureOut">
               <a:rPr lang="en-US" smtClean="0"/>
-              <a:t>11/29/22</a:t>
+              <a:t>4/11/2024</a:t>
             </a:fld>
             <a:endParaRPr lang="en-US"/>
           </a:p>
@@ -8764,7 +8834,7 @@
           <a:p>
             <a:fld id="{192525EC-8CCC-AB42-8BD1-1DA82123D46A}" type="datetimeFigureOut">
               <a:rPr lang="en-US" smtClean="0"/>
-              <a:t>11/29/22</a:t>
+              <a:t>4/11/2024</a:t>
             </a:fld>
             <a:endParaRPr lang="en-US"/>
           </a:p>
@@ -9898,7 +9968,7 @@
           <a:p>
             <a:fld id="{192525EC-8CCC-AB42-8BD1-1DA82123D46A}" type="datetimeFigureOut">
               <a:rPr lang="en-US" smtClean="0"/>
-              <a:t>11/29/22</a:t>
+              <a:t>4/11/2024</a:t>
             </a:fld>
             <a:endParaRPr lang="en-US"/>
           </a:p>
@@ -10931,7 +11001,7 @@
           <a:p>
             <a:fld id="{192525EC-8CCC-AB42-8BD1-1DA82123D46A}" type="datetimeFigureOut">
               <a:rPr lang="en-US" smtClean="0"/>
-              <a:t>11/29/22</a:t>
+              <a:t>4/11/2024</a:t>
             </a:fld>
             <a:endParaRPr lang="en-US"/>
           </a:p>
@@ -11591,7 +11661,7 @@
           <a:p>
             <a:fld id="{192525EC-8CCC-AB42-8BD1-1DA82123D46A}" type="datetimeFigureOut">
               <a:rPr lang="en-US" smtClean="0"/>
-              <a:t>11/29/22</a:t>
+              <a:t>4/11/2024</a:t>
             </a:fld>
             <a:endParaRPr lang="en-US"/>
           </a:p>
@@ -12452,7 +12522,7 @@
           <a:p>
             <a:fld id="{192525EC-8CCC-AB42-8BD1-1DA82123D46A}" type="datetimeFigureOut">
               <a:rPr lang="en-US" smtClean="0"/>
-              <a:t>11/29/22</a:t>
+              <a:t>4/11/2024</a:t>
             </a:fld>
             <a:endParaRPr lang="en-US"/>
           </a:p>
@@ -12642,7 +12712,7 @@
           <a:p>
             <a:fld id="{192525EC-8CCC-AB42-8BD1-1DA82123D46A}" type="datetimeFigureOut">
               <a:rPr lang="en-US" smtClean="0"/>
-              <a:t>11/29/22</a:t>
+              <a:t>4/11/2024</a:t>
             </a:fld>
             <a:endParaRPr lang="en-US"/>
           </a:p>
@@ -13614,7 +13684,7 @@
           <a:p>
             <a:fld id="{192525EC-8CCC-AB42-8BD1-1DA82123D46A}" type="datetimeFigureOut">
               <a:rPr lang="en-US" smtClean="0"/>
-              <a:t>11/29/22</a:t>
+              <a:t>4/11/2024</a:t>
             </a:fld>
             <a:endParaRPr lang="en-US"/>
           </a:p>
@@ -18985,7 +19055,7 @@
           <a:p>
             <a:fld id="{192525EC-8CCC-AB42-8BD1-1DA82123D46A}" type="datetimeFigureOut">
               <a:rPr lang="en-US" smtClean="0"/>
-              <a:t>11/29/22</a:t>
+              <a:t>4/11/2024</a:t>
             </a:fld>
             <a:endParaRPr lang="en-US"/>
           </a:p>
@@ -21131,10 +21201,10 @@
       </p:grpSpPr>
       <p:sp>
         <p:nvSpPr>
-          <p:cNvPr id="2" name="Titolo 1">
+          <p:cNvPr id="2" name="Title 1">
             <a:extLst>
               <a:ext uri="{FF2B5EF4-FFF2-40B4-BE49-F238E27FC236}">
-                <a16:creationId xmlns:a16="http://schemas.microsoft.com/office/drawing/2014/main" id="{7EE32139-2D6B-D132-DED0-ACB8EBB0E19B}"/>
+                <a16:creationId xmlns:a16="http://schemas.microsoft.com/office/drawing/2014/main" id="{6AC5C4D0-DB94-7415-97F5-B18B23403203}"/>
               </a:ext>
             </a:extLst>
           </p:cNvPr>
@@ -21151,22 +21221,18 @@
           <a:lstStyle/>
           <a:p>
             <a:r>
-              <a:rPr lang="en-US" dirty="0">
-                <a:latin typeface="Calibri"/>
-                <a:cs typeface="Calibri"/>
-              </a:rPr>
-              <a:t>Transparency and privacy trade-off</a:t>
-            </a:r>
-            <a:endParaRPr lang="en-US" dirty="0"/>
+              <a:rPr lang="en-US" dirty="0"/>
+              <a:t>Ethics of algorithmic pricing</a:t>
+            </a:r>
           </a:p>
         </p:txBody>
       </p:sp>
       <p:sp>
         <p:nvSpPr>
-          <p:cNvPr id="3" name="Segnaposto contenuto 2">
+          <p:cNvPr id="3" name="Content Placeholder 2">
             <a:extLst>
               <a:ext uri="{FF2B5EF4-FFF2-40B4-BE49-F238E27FC236}">
-                <a16:creationId xmlns:a16="http://schemas.microsoft.com/office/drawing/2014/main" id="{15F1B1C8-46B4-254A-7DB7-46AB4B91F0EF}"/>
+                <a16:creationId xmlns:a16="http://schemas.microsoft.com/office/drawing/2014/main" id="{B89227CA-1DE0-F161-938E-1D6ED1AB966E}"/>
               </a:ext>
             </a:extLst>
           </p:cNvPr>
@@ -21177,7 +21243,12 @@
             <p:ph idx="1"/>
           </p:nvPr>
         </p:nvSpPr>
-        <p:spPr/>
+        <p:spPr>
+          <a:xfrm>
+            <a:off x="411000" y="793531"/>
+            <a:ext cx="11370000" cy="5272433"/>
+          </a:xfrm>
+        </p:spPr>
         <p:txBody>
           <a:bodyPr/>
           <a:lstStyle/>
@@ -21187,7 +21258,7 @@
                 <a:latin typeface="Calibri"/>
                 <a:cs typeface="Calibri"/>
               </a:rPr>
-              <a:t>There is a call for increased transparency in algorithms</a:t>
+              <a:t>Algorithms are currently used to adjust prices based on:</a:t>
             </a:r>
           </a:p>
           <a:p>
@@ -21197,35 +21268,129 @@
                 <a:latin typeface="Calibri"/>
                 <a:cs typeface="Calibri"/>
               </a:rPr>
-              <a:t>What does that mean? Why does it matter?</a:t>
-            </a:r>
-          </a:p>
-          <a:p>
-            <a:pPr marL="457200" indent="-457200"/>
+              <a:t>Willingness of buyer</a:t>
+            </a:r>
+          </a:p>
+          <a:p>
+            <a:pPr lvl="1"/>
             <a:r>
               <a:rPr lang="en-US" dirty="0">
                 <a:latin typeface="Calibri"/>
                 <a:cs typeface="Calibri"/>
               </a:rPr>
-              <a:t>Transparency can sometime come at the cost of privacy and increased risks of data breaches or cyberattacks</a:t>
-            </a:r>
-          </a:p>
-          <a:p>
-            <a:pPr indent="-457200">
-              <a:buFont typeface="Times"/>
-              <a:buChar char="•"/>
-            </a:pPr>
+              <a:t>Availability</a:t>
+            </a:r>
             <a:endParaRPr lang="en-US" dirty="0">
-              <a:latin typeface="Calibri"/>
-              <a:cs typeface="Calibri"/>
+              <a:solidFill>
+                <a:schemeClr val="tx1"/>
+              </a:solidFill>
             </a:endParaRPr>
+          </a:p>
+          <a:p>
+            <a:r>
+              <a:rPr lang="en-US" dirty="0">
+                <a:solidFill>
+                  <a:schemeClr val="tx1"/>
+                </a:solidFill>
+              </a:rPr>
+              <a:t>You are probably familiar with car-sharing apps, like Uber.</a:t>
+            </a:r>
+          </a:p>
+          <a:p>
+            <a:r>
+              <a:rPr lang="en-US" dirty="0">
+                <a:solidFill>
+                  <a:schemeClr val="tx1"/>
+                </a:solidFill>
+              </a:rPr>
+              <a:t>Unlike cabs, which work with fixed rates, the cost of a Uber ride is determined by an algorithm, based on supply and demand.</a:t>
+            </a:r>
+          </a:p>
+          <a:p>
+            <a:r>
+              <a:rPr lang="en-US" dirty="0">
+                <a:solidFill>
+                  <a:schemeClr val="tx1"/>
+                </a:solidFill>
+              </a:rPr>
+              <a:t>This can introduce unfairness in several ways:</a:t>
+            </a:r>
+          </a:p>
+          <a:p>
+            <a:pPr lvl="1"/>
+            <a:r>
+              <a:rPr lang="en-US" dirty="0">
+                <a:hlinkClick r:id="rId3"/>
+              </a:rPr>
+              <a:t>Underserved (poorer) neighbors get higher fares than more served ones</a:t>
+            </a:r>
+            <a:endParaRPr lang="en-US" dirty="0"/>
+          </a:p>
+          <a:p>
+            <a:pPr lvl="1"/>
+            <a:r>
+              <a:rPr lang="en-US" dirty="0">
+                <a:solidFill>
+                  <a:schemeClr val="tx1"/>
+                </a:solidFill>
+              </a:rPr>
+              <a:t>Surges in time of crisis </a:t>
+            </a:r>
+            <a:r>
+              <a:rPr lang="en-US" dirty="0"/>
+              <a:t>(</a:t>
+            </a:r>
+            <a:r>
+              <a:rPr lang="en-US" dirty="0">
+                <a:hlinkClick r:id="rId4"/>
+              </a:rPr>
+              <a:t>hostage siege in Sidney in 2014</a:t>
+            </a:r>
+            <a:r>
+              <a:rPr lang="en-US" dirty="0"/>
+              <a:t>)</a:t>
+            </a:r>
+          </a:p>
+          <a:p>
+            <a:pPr lvl="1"/>
+            <a:r>
+              <a:rPr lang="en-US" dirty="0">
+                <a:solidFill>
+                  <a:schemeClr val="tx1"/>
+                </a:solidFill>
+              </a:rPr>
+              <a:t>Algorithmic wage discrimination</a:t>
+            </a:r>
+          </a:p>
+          <a:p>
+            <a:pPr lvl="2"/>
+            <a:r>
+              <a:rPr lang="en-US" dirty="0">
+                <a:hlinkClick r:id="rId5"/>
+              </a:rPr>
+              <a:t>https://papers.ssrn.com/sol3/papers.cfm?abstract_id=4331080</a:t>
+            </a:r>
+            <a:endParaRPr lang="en-US" dirty="0"/>
+          </a:p>
+          <a:p>
+            <a:pPr lvl="2"/>
+            <a:r>
+              <a:rPr lang="en-US" dirty="0">
+                <a:hlinkClick r:id="rId6"/>
+              </a:rPr>
+              <a:t>https://www.latimes.com/business/technology/story/2023-04-11/algorithmic-wage-discrimination</a:t>
+            </a:r>
+            <a:r>
+              <a:rPr lang="en-US" dirty="0"/>
+              <a:t> </a:t>
+            </a:r>
           </a:p>
         </p:txBody>
       </p:sp>
     </p:spTree>
     <p:extLst>
       <p:ext uri="{BB962C8B-B14F-4D97-AF65-F5344CB8AC3E}">
-        <p14:creationId xmlns:p14="http://schemas.microsoft.com/office/powerpoint/2010/main" val="1465711831"/>
+        <p14:creationId xmlns:p14="http://schemas.microsoft.com/office/powerpoint/2010/main" val="397036897"/>
       </p:ext>
     </p:extLst>
   </p:cSld>
@@ -21254,10 +21419,10 @@
       </p:grpSpPr>
       <p:sp>
         <p:nvSpPr>
-          <p:cNvPr id="2" name="Titolo 1">
+          <p:cNvPr id="2" name="Title 1">
             <a:extLst>
               <a:ext uri="{FF2B5EF4-FFF2-40B4-BE49-F238E27FC236}">
-                <a16:creationId xmlns:a16="http://schemas.microsoft.com/office/drawing/2014/main" id="{B700836D-EB46-079E-4DED-8C0555B6240D}"/>
+                <a16:creationId xmlns:a16="http://schemas.microsoft.com/office/drawing/2014/main" id="{3A598A4D-B107-06D3-19B7-0A6D3305E1D1}"/>
               </a:ext>
             </a:extLst>
           </p:cNvPr>
@@ -21274,21 +21439,142 @@
           <a:lstStyle/>
           <a:p>
             <a:r>
-              <a:rPr lang="en-SG" dirty="0">
-                <a:latin typeface="Calibri"/>
-                <a:cs typeface="Calibri"/>
-              </a:rPr>
-              <a:t>Ethics of pricing algorithms</a:t>
+              <a:rPr lang="en-US" dirty="0"/>
+              <a:t>Interesting reads</a:t>
             </a:r>
           </a:p>
         </p:txBody>
       </p:sp>
+      <p:pic>
+        <p:nvPicPr>
+          <p:cNvPr id="1026" name="Picture 2" descr="WEAPONS OF MATH DESTRUCTION | Kirkus Reviews">
+            <a:extLst>
+              <a:ext uri="{FF2B5EF4-FFF2-40B4-BE49-F238E27FC236}">
+                <a16:creationId xmlns:a16="http://schemas.microsoft.com/office/drawing/2014/main" id="{87648779-8787-2740-62F6-D74030B256AB}"/>
+              </a:ext>
+            </a:extLst>
+          </p:cNvPr>
+          <p:cNvPicPr>
+            <a:picLocks noChangeAspect="1" noChangeArrowheads="1"/>
+          </p:cNvPicPr>
+          <p:nvPr/>
+        </p:nvPicPr>
+        <p:blipFill>
+          <a:blip r:embed="rId2">
+            <a:extLst>
+              <a:ext uri="{28A0092B-C50C-407E-A947-70E740481C1C}">
+                <a14:useLocalDpi xmlns:a14="http://schemas.microsoft.com/office/drawing/2010/main" val="0"/>
+              </a:ext>
+            </a:extLst>
+          </a:blip>
+          <a:srcRect/>
+          <a:stretch>
+            <a:fillRect/>
+          </a:stretch>
+        </p:blipFill>
+        <p:spPr bwMode="auto">
+          <a:xfrm>
+            <a:off x="2133600" y="1143000"/>
+            <a:ext cx="3429000" cy="5162550"/>
+          </a:xfrm>
+          <a:prstGeom prst="rect">
+            <a:avLst/>
+          </a:prstGeom>
+          <a:noFill/>
+          <a:extLst>
+            <a:ext uri="{909E8E84-426E-40DD-AFC4-6F175D3DCCD1}">
+              <a14:hiddenFill xmlns:a14="http://schemas.microsoft.com/office/drawing/2010/main">
+                <a:solidFill>
+                  <a:srgbClr val="FFFFFF"/>
+                </a:solidFill>
+              </a14:hiddenFill>
+            </a:ext>
+          </a:extLst>
+        </p:spPr>
+      </p:pic>
+      <p:pic>
+        <p:nvPicPr>
+          <p:cNvPr id="1028" name="Picture 4" descr="The Ethical Algorithm: The Science of Socially Aware Algorithm Design:  Amazon.co.uk: Kearns, Michael, Roth, Aaron: 9780190948207: Books">
+            <a:extLst>
+              <a:ext uri="{FF2B5EF4-FFF2-40B4-BE49-F238E27FC236}">
+                <a16:creationId xmlns:a16="http://schemas.microsoft.com/office/drawing/2014/main" id="{C0178EB1-A277-5187-59B3-0CF563960CE4}"/>
+              </a:ext>
+            </a:extLst>
+          </p:cNvPr>
+          <p:cNvPicPr>
+            <a:picLocks noChangeAspect="1" noChangeArrowheads="1"/>
+          </p:cNvPicPr>
+          <p:nvPr/>
+        </p:nvPicPr>
+        <p:blipFill>
+          <a:blip r:embed="rId3">
+            <a:extLst>
+              <a:ext uri="{28A0092B-C50C-407E-A947-70E740481C1C}">
+                <a14:useLocalDpi xmlns:a14="http://schemas.microsoft.com/office/drawing/2010/main" val="0"/>
+              </a:ext>
+            </a:extLst>
+          </a:blip>
+          <a:srcRect/>
+          <a:stretch>
+            <a:fillRect/>
+          </a:stretch>
+        </p:blipFill>
+        <p:spPr bwMode="auto">
+          <a:xfrm>
+            <a:off x="6452554" y="1162050"/>
+            <a:ext cx="3453446" cy="5162550"/>
+          </a:xfrm>
+          <a:prstGeom prst="rect">
+            <a:avLst/>
+          </a:prstGeom>
+          <a:noFill/>
+          <a:extLst>
+            <a:ext uri="{909E8E84-426E-40DD-AFC4-6F175D3DCCD1}">
+              <a14:hiddenFill xmlns:a14="http://schemas.microsoft.com/office/drawing/2010/main">
+                <a:solidFill>
+                  <a:srgbClr val="FFFFFF"/>
+                </a:solidFill>
+              </a14:hiddenFill>
+            </a:ext>
+          </a:extLst>
+        </p:spPr>
+      </p:pic>
+    </p:spTree>
+    <p:extLst>
+      <p:ext uri="{BB962C8B-B14F-4D97-AF65-F5344CB8AC3E}">
+        <p14:creationId xmlns:p14="http://schemas.microsoft.com/office/powerpoint/2010/main" val="685159038"/>
+      </p:ext>
+    </p:extLst>
+  </p:cSld>
+  <p:clrMapOvr>
+    <a:masterClrMapping/>
+  </p:clrMapOvr>
+</p:sld>
+</file>
+
+<file path=ppt/slides/slide16.xml><?xml version="1.0" encoding="utf-8"?>
+<p:sld xmlns:a="http://schemas.openxmlformats.org/drawingml/2006/main" xmlns:r="http://schemas.openxmlformats.org/officeDocument/2006/relationships" xmlns:p="http://schemas.openxmlformats.org/presentationml/2006/main">
+  <p:cSld>
+    <p:spTree>
+      <p:nvGrpSpPr>
+        <p:cNvPr id="1" name=""/>
+        <p:cNvGrpSpPr/>
+        <p:nvPr/>
+      </p:nvGrpSpPr>
+      <p:grpSpPr>
+        <a:xfrm>
+          <a:off x="0" y="0"/>
+          <a:ext cx="0" cy="0"/>
+          <a:chOff x="0" y="0"/>
+          <a:chExt cx="0" cy="0"/>
+        </a:xfrm>
+      </p:grpSpPr>
       <p:sp>
         <p:nvSpPr>
-          <p:cNvPr id="3" name="Segnaposto contenuto 2">
+          <p:cNvPr id="4" name="Title 3">
             <a:extLst>
               <a:ext uri="{FF2B5EF4-FFF2-40B4-BE49-F238E27FC236}">
-                <a16:creationId xmlns:a16="http://schemas.microsoft.com/office/drawing/2014/main" id="{82ECDC0E-E6DA-7CFD-6B4A-9779DFA02B89}"/>
+                <a16:creationId xmlns:a16="http://schemas.microsoft.com/office/drawing/2014/main" id="{8EAC0B70-C98A-216A-0E8C-F0D3B8BDD9DE}"/>
               </a:ext>
             </a:extLst>
           </p:cNvPr>
@@ -21296,105 +21582,60 @@
             <a:spLocks noGrp="1"/>
           </p:cNvSpPr>
           <p:nvPr>
-            <p:ph idx="1"/>
+            <p:ph type="title"/>
           </p:nvPr>
         </p:nvSpPr>
-        <p:spPr/>
+        <p:spPr>
+          <a:xfrm>
+            <a:off x="963084" y="2747962"/>
+            <a:ext cx="10363200" cy="1362075"/>
+          </a:xfrm>
+        </p:spPr>
         <p:txBody>
           <a:bodyPr/>
           <a:lstStyle/>
           <a:p>
-            <a:r>
-              <a:rPr lang="en-US" dirty="0">
-                <a:latin typeface="Calibri"/>
-                <a:cs typeface="Calibri"/>
-              </a:rPr>
-              <a:t>Algorithms are currently used to adjust prices based on:</a:t>
-            </a:r>
-          </a:p>
-          <a:p>
-            <a:pPr lvl="1"/>
-            <a:r>
-              <a:rPr lang="en-US" dirty="0">
-                <a:latin typeface="Calibri"/>
-                <a:cs typeface="Calibri"/>
-              </a:rPr>
-              <a:t>Willingness of buyer</a:t>
-            </a:r>
-          </a:p>
-          <a:p>
-            <a:pPr lvl="1"/>
-            <a:r>
-              <a:rPr lang="en-US" dirty="0">
-                <a:latin typeface="Calibri"/>
-                <a:cs typeface="Calibri"/>
-              </a:rPr>
-              <a:t>Availability</a:t>
-            </a:r>
-          </a:p>
-          <a:p>
-            <a:pPr indent="-457200">
-              <a:buFont typeface="Times"/>
-              <a:buChar char="•"/>
-            </a:pPr>
-            <a:r>
-              <a:rPr lang="en-US" dirty="0">
-                <a:latin typeface="Calibri"/>
-                <a:cs typeface="Calibri"/>
-              </a:rPr>
-              <a:t>Uber surge pricing:</a:t>
-            </a:r>
+            <a:pPr algn="ctr"/>
+            <a:r>
+              <a:rPr lang="en-US" dirty="0"/>
+              <a:t>DSCI 430 - Fairness, Accountability, Transparency and Ethics (FATE) in Data Science</a:t>
+            </a:r>
+            <a:br>
+              <a:rPr lang="en-US" dirty="0"/>
+            </a:br>
             <a:endParaRPr lang="en-US" dirty="0"/>
           </a:p>
-          <a:p>
-            <a:pPr lvl="1"/>
-            <a:r>
-              <a:rPr lang="en-US" dirty="0">
-                <a:latin typeface="Calibri"/>
-                <a:cs typeface="Calibri"/>
-              </a:rPr>
-              <a:t>In 2014, terrorists attacked a café in Sidney, holding 10 customers and 8 employees hostage for 16 hours</a:t>
-            </a:r>
-          </a:p>
-          <a:p>
-            <a:pPr lvl="1"/>
-            <a:r>
-              <a:rPr lang="en-US" dirty="0">
-                <a:latin typeface="Calibri"/>
-                <a:cs typeface="Calibri"/>
-              </a:rPr>
-              <a:t>During this time, people from the surrounding areas were evacuated. Transportation was disrupted.</a:t>
-            </a:r>
-          </a:p>
-          <a:p>
-            <a:pPr lvl="1"/>
-            <a:r>
-              <a:rPr lang="en-US">
-                <a:latin typeface="Calibri"/>
-                <a:cs typeface="Calibri"/>
-              </a:rPr>
-              <a:t>Uber prices adapted by increasing the rate to a minimum of 100$ </a:t>
-            </a:r>
-          </a:p>
-          <a:p>
-            <a:pPr lvl="1"/>
-            <a:r>
-              <a:rPr lang="en-US" dirty="0">
-                <a:latin typeface="Calibri"/>
-                <a:cs typeface="Calibri"/>
-              </a:rPr>
-              <a:t>In general, underserved (poorer) areas get worse rates under current pricing policy</a:t>
-            </a:r>
-            <a:endParaRPr lang="en-US" dirty="0"/>
-          </a:p>
-          <a:p>
-            <a:pPr lvl="1"/>
-            <a:r>
-              <a:rPr lang="en-US" dirty="0">
-                <a:latin typeface="Calibri"/>
-                <a:cs typeface="Calibri"/>
-              </a:rPr>
-              <a:t>Does Uber have an ethical obligation to correct its pricing algorithms to protect vulnerable segments of the population?</a:t>
+        </p:txBody>
+      </p:sp>
+      <p:sp>
+        <p:nvSpPr>
+          <p:cNvPr id="5" name="Text Placeholder 4">
+            <a:extLst>
+              <a:ext uri="{FF2B5EF4-FFF2-40B4-BE49-F238E27FC236}">
+                <a16:creationId xmlns:a16="http://schemas.microsoft.com/office/drawing/2014/main" id="{332A3D0B-4437-67CA-806A-B64D8FEB3BA5}"/>
+              </a:ext>
+            </a:extLst>
+          </p:cNvPr>
+          <p:cNvSpPr>
+            <a:spLocks noGrp="1"/>
+          </p:cNvSpPr>
+          <p:nvPr>
+            <p:ph type="body" idx="1"/>
+          </p:nvPr>
+        </p:nvSpPr>
+        <p:spPr>
+          <a:xfrm>
+            <a:off x="963084" y="1099534"/>
+            <a:ext cx="10363200" cy="1500187"/>
+          </a:xfrm>
+        </p:spPr>
+        <p:txBody>
+          <a:bodyPr/>
+          <a:lstStyle/>
+          <a:p>
+            <a:r>
+              <a:rPr lang="en-US" dirty="0"/>
+              <a:t>If you’d like to know more</a:t>
             </a:r>
           </a:p>
         </p:txBody>
@@ -21402,7 +21643,7 @@
     </p:spTree>
     <p:extLst>
       <p:ext uri="{BB962C8B-B14F-4D97-AF65-F5344CB8AC3E}">
-        <p14:creationId xmlns:p14="http://schemas.microsoft.com/office/powerpoint/2010/main" val="2504756361"/>
+        <p14:creationId xmlns:p14="http://schemas.microsoft.com/office/powerpoint/2010/main" val="4055915094"/>
       </p:ext>
     </p:extLst>
   </p:cSld>
